--- a/C5T1-20200604-CreditOne Problem.pptx
+++ b/C5T1-20200604-CreditOne Problem.pptx
@@ -6468,10 +6468,10 @@
       </p:pic>
       <p:pic>
         <p:nvPicPr>
-          <p:cNvPr id="6" name="Picture 5">
+          <p:cNvPr id="7" name="Picture 6">
             <a:extLst>
               <a:ext uri="{FF2B5EF4-FFF2-40B4-BE49-F238E27FC236}">
-                <a16:creationId xmlns:a16="http://schemas.microsoft.com/office/drawing/2014/main" id="{EDB6014E-CA21-4DDA-BEAD-3E1CF75EF638}"/>
+                <a16:creationId xmlns:a16="http://schemas.microsoft.com/office/drawing/2014/main" id="{D4CBBDEA-116D-4831-B2FF-6D4E482FF575}"/>
               </a:ext>
             </a:extLst>
           </p:cNvPr>
@@ -6488,8 +6488,8 @@
         </p:blipFill>
         <p:spPr>
           <a:xfrm>
-            <a:off x="5237018" y="96483"/>
-            <a:ext cx="6823513" cy="4147625"/>
+            <a:off x="4126090" y="57727"/>
+            <a:ext cx="8010492" cy="4545310"/>
           </a:xfrm>
           <a:prstGeom prst="rect">
             <a:avLst/>
